--- a/Statusseminar/Rubik’s Cube.pptx
+++ b/Statusseminar/Rubik’s Cube.pptx
@@ -10,7 +10,6 @@
     <p:sldId id="258" r:id="rId4"/>
     <p:sldId id="261" r:id="rId5"/>
     <p:sldId id="262" r:id="rId6"/>
-    <p:sldId id="259" r:id="rId7"/>
   </p:sldIdLst>
   <p:sldSz cx="9144000" cy="6858000" type="screen4x3"/>
   <p:notesSz cx="6858000" cy="9144000"/>
@@ -3269,11 +3268,7 @@
           <a:p>
             <a:r>
               <a:rPr lang="da-DK" dirty="0" smtClean="0"/>
-              <a:t>Hvad er den nuværende øverste og nederste </a:t>
-            </a:r>
-            <a:r>
-              <a:rPr lang="da-DK" dirty="0" smtClean="0"/>
-              <a:t>grænse for antal drejninger, og hvordan er de blevet bevist?</a:t>
+              <a:t>Hvad er den nuværende øverste og nederste grænse for antal drejninger, og hvordan er de blevet bevist?</a:t>
             </a:r>
           </a:p>
           <a:p>
@@ -3476,6 +3471,24 @@
           <a:bodyPr/>
           <a:lstStyle/>
           <a:p>
+            <a:r>
+              <a:rPr lang="da-DK" dirty="0" smtClean="0"/>
+              <a:t>Løser en enkelt arbitrær permutation af kuben</a:t>
+            </a:r>
+          </a:p>
+          <a:p>
+            <a:r>
+              <a:rPr lang="da-DK" dirty="0" smtClean="0"/>
+              <a:t>Drejer kuben ind i en undergruppe H,</a:t>
+            </a:r>
+          </a:p>
+          <a:p>
+            <a:r>
+              <a:rPr lang="da-DK" dirty="0" smtClean="0"/>
+              <a:t>H kan løses med U, U’, U2, F2, B2, R2, L2, D2, D’, D</a:t>
+            </a:r>
+          </a:p>
+          <a:p>
             <a:endParaRPr lang="da-DK" dirty="0"/>
           </a:p>
         </p:txBody>
@@ -3498,74 +3511,11 @@
         </p:blipFill>
         <p:spPr>
           <a:xfrm>
-            <a:off x="4712806" y="2357430"/>
-            <a:ext cx="4022759" cy="2928957"/>
+            <a:off x="4714876" y="2143116"/>
+            <a:ext cx="3573970" cy="2602195"/>
           </a:xfrm>
         </p:spPr>
       </p:pic>
-    </p:spTree>
-  </p:cSld>
-  <p:clrMapOvr>
-    <a:masterClrMapping/>
-  </p:clrMapOvr>
-</p:sld>
-</file>
-
-<file path=ppt/slides/slide6.xml><?xml version="1.0" encoding="utf-8"?>
-<p:sld xmlns:a="http://schemas.openxmlformats.org/drawingml/2006/main" xmlns:r="http://schemas.openxmlformats.org/officeDocument/2006/relationships" xmlns:p="http://schemas.openxmlformats.org/presentationml/2006/main">
-  <p:cSld>
-    <p:spTree>
-      <p:nvGrpSpPr>
-        <p:cNvPr id="1" name=""/>
-        <p:cNvGrpSpPr/>
-        <p:nvPr/>
-      </p:nvGrpSpPr>
-      <p:grpSpPr>
-        <a:xfrm>
-          <a:off x="0" y="0"/>
-          <a:ext cx="0" cy="0"/>
-          <a:chOff x="0" y="0"/>
-          <a:chExt cx="0" cy="0"/>
-        </a:xfrm>
-      </p:grpSpPr>
-      <p:sp>
-        <p:nvSpPr>
-          <p:cNvPr id="2" name="Titel 1"/>
-          <p:cNvSpPr>
-            <a:spLocks noGrp="1"/>
-          </p:cNvSpPr>
-          <p:nvPr>
-            <p:ph type="title"/>
-          </p:nvPr>
-        </p:nvSpPr>
-        <p:spPr/>
-        <p:txBody>
-          <a:bodyPr/>
-          <a:lstStyle/>
-          <a:p>
-            <a:endParaRPr lang="da-DK"/>
-          </a:p>
-        </p:txBody>
-      </p:sp>
-      <p:sp>
-        <p:nvSpPr>
-          <p:cNvPr id="3" name="Pladsholder til indhold 2"/>
-          <p:cNvSpPr>
-            <a:spLocks noGrp="1"/>
-          </p:cNvSpPr>
-          <p:nvPr>
-            <p:ph idx="1"/>
-          </p:nvPr>
-        </p:nvSpPr>
-        <p:spPr/>
-        <p:txBody>
-          <a:bodyPr/>
-          <a:lstStyle/>
-          <a:p>
-            <a:endParaRPr lang="da-DK" dirty="0"/>
-          </a:p>
-        </p:txBody>
-      </p:sp>
     </p:spTree>
   </p:cSld>
   <p:clrMapOvr>

--- a/Statusseminar/Rubik’s Cube.pptx
+++ b/Statusseminar/Rubik’s Cube.pptx
@@ -223,7 +223,7 @@
             <a:fld id="{AAB69B4B-A76A-47AE-BA50-6C08DAF8AB0A}" type="datetimeFigureOut">
               <a:rPr lang="da-DK" smtClean="0"/>
               <a:pPr/>
-              <a:t>07-04-2010</a:t>
+              <a:t>08-04-2010</a:t>
             </a:fld>
             <a:endParaRPr lang="da-DK"/>
           </a:p>
@@ -451,7 +451,7 @@
             <a:fld id="{AAB69B4B-A76A-47AE-BA50-6C08DAF8AB0A}" type="datetimeFigureOut">
               <a:rPr lang="da-DK" smtClean="0"/>
               <a:pPr/>
-              <a:t>07-04-2010</a:t>
+              <a:t>08-04-2010</a:t>
             </a:fld>
             <a:endParaRPr lang="da-DK"/>
           </a:p>
@@ -628,7 +628,7 @@
             <a:fld id="{AAB69B4B-A76A-47AE-BA50-6C08DAF8AB0A}" type="datetimeFigureOut">
               <a:rPr lang="da-DK" smtClean="0"/>
               <a:pPr/>
-              <a:t>07-04-2010</a:t>
+              <a:t>08-04-2010</a:t>
             </a:fld>
             <a:endParaRPr lang="da-DK"/>
           </a:p>
@@ -795,7 +795,7 @@
             <a:fld id="{AAB69B4B-A76A-47AE-BA50-6C08DAF8AB0A}" type="datetimeFigureOut">
               <a:rPr lang="da-DK" smtClean="0"/>
               <a:pPr/>
-              <a:t>07-04-2010</a:t>
+              <a:t>08-04-2010</a:t>
             </a:fld>
             <a:endParaRPr lang="da-DK"/>
           </a:p>
@@ -1041,7 +1041,7 @@
             <a:fld id="{AAB69B4B-A76A-47AE-BA50-6C08DAF8AB0A}" type="datetimeFigureOut">
               <a:rPr lang="da-DK" smtClean="0"/>
               <a:pPr/>
-              <a:t>07-04-2010</a:t>
+              <a:t>08-04-2010</a:t>
             </a:fld>
             <a:endParaRPr lang="da-DK"/>
           </a:p>
@@ -1307,7 +1307,7 @@
             <a:fld id="{AAB69B4B-A76A-47AE-BA50-6C08DAF8AB0A}" type="datetimeFigureOut">
               <a:rPr lang="da-DK" smtClean="0"/>
               <a:pPr/>
-              <a:t>07-04-2010</a:t>
+              <a:t>08-04-2010</a:t>
             </a:fld>
             <a:endParaRPr lang="da-DK"/>
           </a:p>
@@ -1683,7 +1683,7 @@
             <a:fld id="{AAB69B4B-A76A-47AE-BA50-6C08DAF8AB0A}" type="datetimeFigureOut">
               <a:rPr lang="da-DK" smtClean="0"/>
               <a:pPr/>
-              <a:t>07-04-2010</a:t>
+              <a:t>08-04-2010</a:t>
             </a:fld>
             <a:endParaRPr lang="da-DK"/>
           </a:p>
@@ -1798,7 +1798,7 @@
             <a:fld id="{AAB69B4B-A76A-47AE-BA50-6C08DAF8AB0A}" type="datetimeFigureOut">
               <a:rPr lang="da-DK" smtClean="0"/>
               <a:pPr/>
-              <a:t>07-04-2010</a:t>
+              <a:t>08-04-2010</a:t>
             </a:fld>
             <a:endParaRPr lang="da-DK"/>
           </a:p>
@@ -1890,7 +1890,7 @@
             <a:fld id="{AAB69B4B-A76A-47AE-BA50-6C08DAF8AB0A}" type="datetimeFigureOut">
               <a:rPr lang="da-DK" smtClean="0"/>
               <a:pPr/>
-              <a:t>07-04-2010</a:t>
+              <a:t>08-04-2010</a:t>
             </a:fld>
             <a:endParaRPr lang="da-DK"/>
           </a:p>
@@ -2150,7 +2150,7 @@
             <a:fld id="{AAB69B4B-A76A-47AE-BA50-6C08DAF8AB0A}" type="datetimeFigureOut">
               <a:rPr lang="da-DK" smtClean="0"/>
               <a:pPr/>
-              <a:t>07-04-2010</a:t>
+              <a:t>08-04-2010</a:t>
             </a:fld>
             <a:endParaRPr lang="da-DK"/>
           </a:p>
@@ -2416,7 +2416,7 @@
             <a:fld id="{AAB69B4B-A76A-47AE-BA50-6C08DAF8AB0A}" type="datetimeFigureOut">
               <a:rPr lang="da-DK" smtClean="0"/>
               <a:pPr/>
-              <a:t>07-04-2010</a:t>
+              <a:t>08-04-2010</a:t>
             </a:fld>
             <a:endParaRPr lang="da-DK"/>
           </a:p>
@@ -2635,7 +2635,7 @@
             <a:fld id="{AAB69B4B-A76A-47AE-BA50-6C08DAF8AB0A}" type="datetimeFigureOut">
               <a:rPr lang="da-DK" smtClean="0"/>
               <a:pPr/>
-              <a:t>07-04-2010</a:t>
+              <a:t>08-04-2010</a:t>
             </a:fld>
             <a:endParaRPr lang="da-DK"/>
           </a:p>
@@ -3495,7 +3495,7 @@
       </p:sp>
       <p:pic>
         <p:nvPicPr>
-          <p:cNvPr id="7" name="Pladsholder til indhold 6" descr="relabelClean.PNG"/>
+          <p:cNvPr id="6" name="Pladsholder til indhold 5" descr="kociemba search expansion.png"/>
           <p:cNvPicPr>
             <a:picLocks noGrp="1" noChangeAspect="1"/>
           </p:cNvPicPr>
@@ -3511,9 +3511,35 @@
         </p:blipFill>
         <p:spPr>
           <a:xfrm>
-            <a:off x="4714876" y="2143116"/>
-            <a:ext cx="3573970" cy="2602195"/>
+            <a:off x="4825527" y="4429132"/>
+            <a:ext cx="3397169" cy="1385985"/>
           </a:xfrm>
+        </p:spPr>
+      </p:pic>
+      <p:pic>
+        <p:nvPicPr>
+          <p:cNvPr id="1026" name="Picture 2" descr="C:\Users\Dan Moller\Documents\SW2A215\Rapport\input\pics\relabelClean.PNG"/>
+          <p:cNvPicPr>
+            <a:picLocks noChangeAspect="1" noChangeArrowheads="1"/>
+          </p:cNvPicPr>
+          <p:nvPr/>
+        </p:nvPicPr>
+        <p:blipFill>
+          <a:blip r:embed="rId3" cstate="print"/>
+          <a:srcRect/>
+          <a:stretch>
+            <a:fillRect/>
+          </a:stretch>
+        </p:blipFill>
+        <p:spPr bwMode="auto">
+          <a:xfrm>
+            <a:off x="4978400" y="1454150"/>
+            <a:ext cx="3152775" cy="2295525"/>
+          </a:xfrm>
+          <a:prstGeom prst="rect">
+            <a:avLst/>
+          </a:prstGeom>
+          <a:noFill/>
         </p:spPr>
       </p:pic>
     </p:spTree>

--- a/Statusseminar/Rubik’s Cube.pptx
+++ b/Statusseminar/Rubik’s Cube.pptx
@@ -8,8 +8,10 @@
     <p:sldId id="256" r:id="rId2"/>
     <p:sldId id="257" r:id="rId3"/>
     <p:sldId id="258" r:id="rId4"/>
-    <p:sldId id="261" r:id="rId5"/>
-    <p:sldId id="262" r:id="rId6"/>
+    <p:sldId id="263" r:id="rId5"/>
+    <p:sldId id="261" r:id="rId6"/>
+    <p:sldId id="262" r:id="rId7"/>
+    <p:sldId id="264" r:id="rId8"/>
   </p:sldIdLst>
   <p:sldSz cx="9144000" cy="6858000" type="screen4x3"/>
   <p:notesSz cx="6858000" cy="9144000"/>
@@ -3336,6 +3338,178 @@
           <a:p>
             <a:r>
               <a:rPr lang="da-DK" dirty="0" smtClean="0"/>
+              <a:t>Gruppe teori</a:t>
+            </a:r>
+            <a:endParaRPr lang="da-DK" dirty="0"/>
+          </a:p>
+        </p:txBody>
+      </p:sp>
+      <p:sp>
+        <p:nvSpPr>
+          <p:cNvPr id="3" name="Pladsholder til indhold 2"/>
+          <p:cNvSpPr>
+            <a:spLocks noGrp="1"/>
+          </p:cNvSpPr>
+          <p:nvPr>
+            <p:ph sz="half" idx="1"/>
+          </p:nvPr>
+        </p:nvSpPr>
+        <p:spPr>
+          <a:xfrm>
+            <a:off x="457200" y="1600201"/>
+            <a:ext cx="7901014" cy="4543443"/>
+          </a:xfrm>
+        </p:spPr>
+        <p:txBody>
+          <a:bodyPr/>
+          <a:lstStyle/>
+          <a:p>
+            <a:r>
+              <a:rPr lang="da-DK" dirty="0" smtClean="0"/>
+              <a:t>(G, *)</a:t>
+            </a:r>
+          </a:p>
+          <a:p>
+            <a:r>
+              <a:rPr lang="da-DK" dirty="0" smtClean="0"/>
+              <a:t>* til </a:t>
+            </a:r>
+            <a:r>
+              <a:rPr lang="da-DK" dirty="0" err="1" smtClean="0"/>
+              <a:t>ukommutative</a:t>
+            </a:r>
+            <a:r>
+              <a:rPr lang="da-DK" dirty="0" smtClean="0"/>
+              <a:t> operationer</a:t>
+            </a:r>
+          </a:p>
+          <a:p>
+            <a:r>
+              <a:rPr lang="da-DK" dirty="0" smtClean="0"/>
+              <a:t>4 kriterier </a:t>
+            </a:r>
+            <a:r>
+              <a:rPr lang="da-DK" dirty="0" err="1" smtClean="0"/>
+              <a:t>Rubik’s</a:t>
+            </a:r>
+            <a:r>
+              <a:rPr lang="da-DK" dirty="0" smtClean="0"/>
+              <a:t> </a:t>
+            </a:r>
+            <a:r>
+              <a:rPr lang="da-DK" dirty="0" err="1" smtClean="0"/>
+              <a:t>Cuben</a:t>
+            </a:r>
+            <a:r>
+              <a:rPr lang="da-DK" dirty="0" smtClean="0"/>
+              <a:t> skal overholde</a:t>
+            </a:r>
+          </a:p>
+          <a:p>
+            <a:pPr>
+              <a:buNone/>
+            </a:pPr>
+            <a:endParaRPr lang="da-DK" dirty="0" smtClean="0"/>
+          </a:p>
+          <a:p>
+            <a:pPr lvl="1"/>
+            <a:r>
+              <a:rPr lang="da-DK" sz="2000" dirty="0" smtClean="0"/>
+              <a:t>1. kombination af to </a:t>
+            </a:r>
+            <a:r>
+              <a:rPr lang="da-DK" sz="2000" dirty="0" err="1" smtClean="0"/>
+              <a:t>elementer’s</a:t>
+            </a:r>
+            <a:r>
+              <a:rPr lang="da-DK" sz="2000" dirty="0" smtClean="0"/>
+              <a:t> produkt skal også være en del af gruppen</a:t>
+            </a:r>
+          </a:p>
+          <a:p>
+            <a:pPr lvl="1"/>
+            <a:r>
+              <a:rPr lang="da-DK" sz="2000" dirty="0" smtClean="0"/>
+              <a:t>2. Det associative </a:t>
+            </a:r>
+            <a:r>
+              <a:rPr lang="da-DK" sz="2000" dirty="0" smtClean="0"/>
+              <a:t>punkt</a:t>
+            </a:r>
+          </a:p>
+          <a:p>
+            <a:pPr lvl="1"/>
+            <a:r>
+              <a:rPr lang="da-DK" sz="2000" dirty="0" smtClean="0"/>
+              <a:t>3. til ethvert element findes et neutralt </a:t>
+            </a:r>
+            <a:r>
+              <a:rPr lang="da-DK" sz="2000" dirty="0" smtClean="0"/>
+              <a:t>element</a:t>
+            </a:r>
+          </a:p>
+          <a:p>
+            <a:pPr lvl="1"/>
+            <a:r>
+              <a:rPr lang="da-DK" sz="2000" dirty="0" smtClean="0"/>
+              <a:t>4. til </a:t>
+            </a:r>
+            <a:r>
+              <a:rPr lang="da-DK" sz="2000" dirty="0" smtClean="0"/>
+              <a:t>ethvert element i gruppen findes et invers element</a:t>
+            </a:r>
+            <a:endParaRPr lang="da-DK" sz="2000" dirty="0" smtClean="0"/>
+          </a:p>
+          <a:p>
+            <a:endParaRPr lang="da-DK" dirty="0" smtClean="0"/>
+          </a:p>
+          <a:p>
+            <a:endParaRPr lang="da-DK" dirty="0"/>
+          </a:p>
+        </p:txBody>
+      </p:sp>
+    </p:spTree>
+  </p:cSld>
+  <p:clrMapOvr>
+    <a:masterClrMapping/>
+  </p:clrMapOvr>
+</p:sld>
+</file>
+
+<file path=ppt/slides/slide5.xml><?xml version="1.0" encoding="utf-8"?>
+<p:sld xmlns:a="http://schemas.openxmlformats.org/drawingml/2006/main" xmlns:r="http://schemas.openxmlformats.org/officeDocument/2006/relationships" xmlns:p="http://schemas.openxmlformats.org/presentationml/2006/main">
+  <p:cSld>
+    <p:spTree>
+      <p:nvGrpSpPr>
+        <p:cNvPr id="1" name=""/>
+        <p:cNvGrpSpPr/>
+        <p:nvPr/>
+      </p:nvGrpSpPr>
+      <p:grpSpPr>
+        <a:xfrm>
+          <a:off x="0" y="0"/>
+          <a:ext cx="0" cy="0"/>
+          <a:chOff x="0" y="0"/>
+          <a:chExt cx="0" cy="0"/>
+        </a:xfrm>
+      </p:grpSpPr>
+      <p:sp>
+        <p:nvSpPr>
+          <p:cNvPr id="2" name="Titel 1"/>
+          <p:cNvSpPr>
+            <a:spLocks noGrp="1"/>
+          </p:cNvSpPr>
+          <p:nvPr>
+            <p:ph type="title"/>
+          </p:nvPr>
+        </p:nvSpPr>
+        <p:spPr/>
+        <p:txBody>
+          <a:bodyPr/>
+          <a:lstStyle/>
+          <a:p>
+            <a:r>
+              <a:rPr lang="da-DK" dirty="0" smtClean="0"/>
               <a:t>Graf teori</a:t>
             </a:r>
             <a:endParaRPr lang="da-DK" dirty="0"/>
@@ -3412,7 +3586,7 @@
 </p:sld>
 </file>
 
-<file path=ppt/slides/slide5.xml><?xml version="1.0" encoding="utf-8"?>
+<file path=ppt/slides/slide6.xml><?xml version="1.0" encoding="utf-8"?>
 <p:sld xmlns:a="http://schemas.openxmlformats.org/drawingml/2006/main" xmlns:r="http://schemas.openxmlformats.org/officeDocument/2006/relationships" xmlns:p="http://schemas.openxmlformats.org/presentationml/2006/main">
   <p:cSld>
     <p:spTree>
@@ -3540,6 +3714,129 @@
             <a:avLst/>
           </a:prstGeom>
           <a:noFill/>
+        </p:spPr>
+      </p:pic>
+    </p:spTree>
+  </p:cSld>
+  <p:clrMapOvr>
+    <a:masterClrMapping/>
+  </p:clrMapOvr>
+</p:sld>
+</file>
+
+<file path=ppt/slides/slide7.xml><?xml version="1.0" encoding="utf-8"?>
+<p:sld xmlns:a="http://schemas.openxmlformats.org/drawingml/2006/main" xmlns:r="http://schemas.openxmlformats.org/officeDocument/2006/relationships" xmlns:p="http://schemas.openxmlformats.org/presentationml/2006/main">
+  <p:cSld>
+    <p:spTree>
+      <p:nvGrpSpPr>
+        <p:cNvPr id="1" name=""/>
+        <p:cNvGrpSpPr/>
+        <p:nvPr/>
+      </p:nvGrpSpPr>
+      <p:grpSpPr>
+        <a:xfrm>
+          <a:off x="0" y="0"/>
+          <a:ext cx="0" cy="0"/>
+          <a:chOff x="0" y="0"/>
+          <a:chExt cx="0" cy="0"/>
+        </a:xfrm>
+      </p:grpSpPr>
+      <p:sp>
+        <p:nvSpPr>
+          <p:cNvPr id="5" name="Titel 4"/>
+          <p:cNvSpPr>
+            <a:spLocks noGrp="1"/>
+          </p:cNvSpPr>
+          <p:nvPr>
+            <p:ph type="title"/>
+          </p:nvPr>
+        </p:nvSpPr>
+        <p:spPr/>
+        <p:txBody>
+          <a:bodyPr/>
+          <a:lstStyle/>
+          <a:p>
+            <a:r>
+              <a:rPr lang="da-DK" dirty="0" smtClean="0"/>
+              <a:t>SLP </a:t>
+            </a:r>
+            <a:r>
+              <a:rPr lang="da-DK" dirty="0" err="1" smtClean="0"/>
+              <a:t>agtigt</a:t>
+            </a:r>
+            <a:endParaRPr lang="da-DK" dirty="0"/>
+          </a:p>
+        </p:txBody>
+      </p:sp>
+      <p:sp>
+        <p:nvSpPr>
+          <p:cNvPr id="6" name="Pladsholder til indhold 5"/>
+          <p:cNvSpPr>
+            <a:spLocks noGrp="1"/>
+          </p:cNvSpPr>
+          <p:nvPr>
+            <p:ph sz="half" idx="1"/>
+          </p:nvPr>
+        </p:nvSpPr>
+        <p:spPr/>
+        <p:txBody>
+          <a:bodyPr/>
+          <a:lstStyle/>
+          <a:p>
+            <a:r>
+              <a:rPr lang="da-DK" dirty="0" smtClean="0"/>
+              <a:t>Tidsplan</a:t>
+            </a:r>
+          </a:p>
+          <a:p>
+            <a:r>
+              <a:rPr lang="da-DK" dirty="0" smtClean="0"/>
+              <a:t>Handicap</a:t>
+            </a:r>
+          </a:p>
+          <a:p>
+            <a:r>
+              <a:rPr lang="da-DK" dirty="0" err="1" smtClean="0"/>
+              <a:t>Kociemba</a:t>
+            </a:r>
+            <a:endParaRPr lang="da-DK" dirty="0" smtClean="0"/>
+          </a:p>
+          <a:p>
+            <a:r>
+              <a:rPr lang="da-DK" dirty="0" smtClean="0"/>
+              <a:t>Mødetider</a:t>
+            </a:r>
+          </a:p>
+          <a:p>
+            <a:r>
+              <a:rPr lang="da-DK" dirty="0" smtClean="0"/>
+              <a:t>Arbejdsproces</a:t>
+            </a:r>
+            <a:endParaRPr lang="da-DK" dirty="0"/>
+          </a:p>
+        </p:txBody>
+      </p:sp>
+      <p:pic>
+        <p:nvPicPr>
+          <p:cNvPr id="8" name="Pladsholder til indhold 7" descr="Billede0075.jpg"/>
+          <p:cNvPicPr>
+            <a:picLocks noGrp="1" noChangeAspect="1"/>
+          </p:cNvPicPr>
+          <p:nvPr>
+            <p:ph sz="half" idx="2"/>
+          </p:nvPr>
+        </p:nvPicPr>
+        <p:blipFill>
+          <a:blip r:embed="rId2" cstate="print"/>
+          <a:stretch>
+            <a:fillRect/>
+          </a:stretch>
+        </p:blipFill>
+        <p:spPr>
+          <a:xfrm>
+            <a:off x="4648200" y="2348706"/>
+            <a:ext cx="4038600" cy="3028950"/>
+          </a:xfrm>
         </p:spPr>
       </p:pic>
     </p:spTree>

--- a/Statusseminar/Rubik’s Cube.pptx
+++ b/Statusseminar/Rubik’s Cube.pptx
@@ -12,6 +12,7 @@
     <p:sldId id="261" r:id="rId6"/>
     <p:sldId id="262" r:id="rId7"/>
     <p:sldId id="264" r:id="rId8"/>
+    <p:sldId id="265" r:id="rId9"/>
   </p:sldIdLst>
   <p:sldSz cx="9144000" cy="6858000" type="screen4x3"/>
   <p:notesSz cx="6858000" cy="9144000"/>
@@ -3133,6 +3134,13 @@
   <p:clrMapOvr>
     <a:masterClrMapping/>
   </p:clrMapOvr>
+  <p:timing>
+    <p:tnLst>
+      <p:par>
+        <p:cTn id="1" dur="indefinite" restart="never" nodeType="tmRoot"/>
+      </p:par>
+    </p:tnLst>
+  </p:timing>
 </p:sld>
 </file>
 
@@ -3210,6 +3218,13 @@
   <p:clrMapOvr>
     <a:masterClrMapping/>
   </p:clrMapOvr>
+  <p:timing>
+    <p:tnLst>
+      <p:par>
+        <p:cTn id="1" dur="indefinite" restart="never" nodeType="tmRoot"/>
+      </p:par>
+    </p:tnLst>
+  </p:timing>
 </p:sld>
 </file>
 
@@ -3301,6 +3316,13 @@
   <p:clrMapOvr>
     <a:masterClrMapping/>
   </p:clrMapOvr>
+  <p:timing>
+    <p:tnLst>
+      <p:par>
+        <p:cTn id="1" dur="indefinite" restart="never" nodeType="tmRoot"/>
+      </p:par>
+    </p:tnLst>
+  </p:timing>
 </p:sld>
 </file>
 
@@ -3430,35 +3452,22 @@
             <a:pPr lvl="1"/>
             <a:r>
               <a:rPr lang="da-DK" sz="2000" dirty="0" smtClean="0"/>
-              <a:t>2. Det associative </a:t>
-            </a:r>
+              <a:t>2. Det associative punkt</a:t>
+            </a:r>
+          </a:p>
+          <a:p>
+            <a:pPr lvl="1"/>
             <a:r>
               <a:rPr lang="da-DK" sz="2000" dirty="0" smtClean="0"/>
-              <a:t>punkt</a:t>
+              <a:t>3. til ethvert element findes et neutralt element</a:t>
             </a:r>
           </a:p>
           <a:p>
             <a:pPr lvl="1"/>
             <a:r>
               <a:rPr lang="da-DK" sz="2000" dirty="0" smtClean="0"/>
-              <a:t>3. til ethvert element findes et neutralt </a:t>
-            </a:r>
-            <a:r>
-              <a:rPr lang="da-DK" sz="2000" dirty="0" smtClean="0"/>
-              <a:t>element</a:t>
-            </a:r>
-          </a:p>
-          <a:p>
-            <a:pPr lvl="1"/>
-            <a:r>
-              <a:rPr lang="da-DK" sz="2000" dirty="0" smtClean="0"/>
-              <a:t>4. til </a:t>
-            </a:r>
-            <a:r>
-              <a:rPr lang="da-DK" sz="2000" dirty="0" smtClean="0"/>
-              <a:t>ethvert element i gruppen findes et invers element</a:t>
-            </a:r>
-            <a:endParaRPr lang="da-DK" sz="2000" dirty="0" smtClean="0"/>
+              <a:t>4. til ethvert element i gruppen findes et invers element</a:t>
+            </a:r>
           </a:p>
           <a:p>
             <a:endParaRPr lang="da-DK" dirty="0" smtClean="0"/>
@@ -3473,6 +3482,13 @@
   <p:clrMapOvr>
     <a:masterClrMapping/>
   </p:clrMapOvr>
+  <p:timing>
+    <p:tnLst>
+      <p:par>
+        <p:cTn id="1" dur="indefinite" restart="never" nodeType="tmRoot"/>
+      </p:par>
+    </p:tnLst>
+  </p:timing>
 </p:sld>
 </file>
 
@@ -3583,6 +3599,13 @@
   <p:clrMapOvr>
     <a:masterClrMapping/>
   </p:clrMapOvr>
+  <p:timing>
+    <p:tnLst>
+      <p:par>
+        <p:cTn id="1" dur="indefinite" restart="never" nodeType="tmRoot"/>
+      </p:par>
+    </p:tnLst>
+  </p:timing>
 </p:sld>
 </file>
 
@@ -3721,6 +3744,13 @@
   <p:clrMapOvr>
     <a:masterClrMapping/>
   </p:clrMapOvr>
+  <p:timing>
+    <p:tnLst>
+      <p:par>
+        <p:cTn id="1" dur="indefinite" restart="never" nodeType="tmRoot"/>
+      </p:par>
+    </p:tnLst>
+  </p:timing>
 </p:sld>
 </file>
 
@@ -3837,6 +3867,98 @@
             <a:off x="4648200" y="2348706"/>
             <a:ext cx="4038600" cy="3028950"/>
           </a:xfrm>
+        </p:spPr>
+      </p:pic>
+    </p:spTree>
+  </p:cSld>
+  <p:clrMapOvr>
+    <a:masterClrMapping/>
+  </p:clrMapOvr>
+  <p:timing>
+    <p:tnLst>
+      <p:par>
+        <p:cTn id="1" dur="indefinite" restart="never" nodeType="tmRoot"/>
+      </p:par>
+    </p:tnLst>
+  </p:timing>
+</p:sld>
+</file>
+
+<file path=ppt/slides/slide8.xml><?xml version="1.0" encoding="utf-8"?>
+<p:sld xmlns:a="http://schemas.openxmlformats.org/drawingml/2006/main" xmlns:r="http://schemas.openxmlformats.org/officeDocument/2006/relationships" xmlns:p="http://schemas.openxmlformats.org/presentationml/2006/main">
+  <p:cSld>
+    <p:spTree>
+      <p:nvGrpSpPr>
+        <p:cNvPr id="1" name=""/>
+        <p:cNvGrpSpPr/>
+        <p:nvPr/>
+      </p:nvGrpSpPr>
+      <p:grpSpPr>
+        <a:xfrm>
+          <a:off x="0" y="0"/>
+          <a:ext cx="0" cy="0"/>
+          <a:chOff x="0" y="0"/>
+          <a:chExt cx="0" cy="0"/>
+        </a:xfrm>
+      </p:grpSpPr>
+      <p:sp>
+        <p:nvSpPr>
+          <p:cNvPr id="5" name="Titel 4"/>
+          <p:cNvSpPr>
+            <a:spLocks noGrp="1"/>
+          </p:cNvSpPr>
+          <p:nvPr>
+            <p:ph type="title"/>
+          </p:nvPr>
+        </p:nvSpPr>
+        <p:spPr>
+          <a:xfrm>
+            <a:off x="571472" y="571480"/>
+            <a:ext cx="8229600" cy="1143000"/>
+          </a:xfrm>
+        </p:spPr>
+        <p:txBody>
+          <a:bodyPr/>
+          <a:lstStyle/>
+          <a:p>
+            <a:r>
+              <a:rPr lang="da-DK" dirty="0" smtClean="0"/>
+              <a:t>Spørgsmål ??</a:t>
+            </a:r>
+            <a:endParaRPr lang="da-DK" dirty="0"/>
+          </a:p>
+        </p:txBody>
+      </p:sp>
+      <p:pic>
+        <p:nvPicPr>
+          <p:cNvPr id="1026" name="Picture 2"/>
+          <p:cNvPicPr>
+            <a:picLocks noChangeAspect="1" noChangeArrowheads="1"/>
+          </p:cNvPicPr>
+          <p:nvPr/>
+        </p:nvPicPr>
+        <p:blipFill>
+          <a:blip r:embed="rId2" cstate="print"/>
+          <a:srcRect/>
+          <a:stretch>
+            <a:fillRect/>
+          </a:stretch>
+        </p:blipFill>
+        <p:spPr bwMode="auto">
+          <a:xfrm>
+            <a:off x="1357290" y="2285992"/>
+            <a:ext cx="6410325" cy="3895725"/>
+          </a:xfrm>
+          <a:prstGeom prst="rect">
+            <a:avLst/>
+          </a:prstGeom>
+          <a:noFill/>
+          <a:ln w="9525">
+            <a:noFill/>
+            <a:miter lim="800000"/>
+            <a:headEnd/>
+            <a:tailEnd/>
+          </a:ln>
         </p:spPr>
       </p:pic>
     </p:spTree>

--- a/Statusseminar/Rubik’s Cube.pptx
+++ b/Statusseminar/Rubik’s Cube.pptx
@@ -3207,7 +3207,11 @@
           <a:p>
             <a:r>
               <a:rPr lang="da-DK" dirty="0" smtClean="0"/>
-              <a:t>Et fællesskab der forsøger at optimere antallet af drejninger</a:t>
+              <a:t>Et fællesskab der forsøger at optimere antallet af </a:t>
+            </a:r>
+            <a:r>
+              <a:rPr lang="da-DK" dirty="0" smtClean="0"/>
+              <a:t>træk</a:t>
             </a:r>
             <a:endParaRPr lang="da-DK" dirty="0"/>
           </a:p>
@@ -3285,7 +3289,15 @@
           <a:p>
             <a:r>
               <a:rPr lang="da-DK" dirty="0" smtClean="0"/>
-              <a:t>Hvad er den nuværende øverste og nederste grænse for antal drejninger, og hvordan er de blevet bevist?</a:t>
+              <a:t>Hvad er den nuværende øverste og nederste grænse for antal </a:t>
+            </a:r>
+            <a:r>
+              <a:rPr lang="da-DK" dirty="0" smtClean="0"/>
+              <a:t>træk, </a:t>
+            </a:r>
+            <a:r>
+              <a:rPr lang="da-DK" dirty="0" smtClean="0"/>
+              <a:t>og hvordan er de blevet bevist?</a:t>
             </a:r>
           </a:p>
           <a:p>
@@ -3676,7 +3688,11 @@
           <a:p>
             <a:r>
               <a:rPr lang="da-DK" dirty="0" smtClean="0"/>
-              <a:t>Drejer kuben ind i en undergruppe H,</a:t>
+              <a:t>Udfører træk der får </a:t>
+            </a:r>
+            <a:r>
+              <a:rPr lang="da-DK" dirty="0" smtClean="0"/>
+              <a:t>kuben ind i en undergruppe H,</a:t>
             </a:r>
           </a:p>
           <a:p>
@@ -3820,13 +3836,7 @@
           </a:p>
           <a:p>
             <a:r>
-              <a:rPr lang="da-DK" dirty="0" smtClean="0"/>
-              <a:t>Handicap</a:t>
-            </a:r>
-          </a:p>
-          <a:p>
-            <a:r>
-              <a:rPr lang="da-DK" dirty="0" err="1" smtClean="0"/>
+              <a:rPr lang="da-DK" smtClean="0"/>
               <a:t>Kociemba</a:t>
             </a:r>
             <a:endParaRPr lang="da-DK" dirty="0" smtClean="0"/>

--- a/Statusseminar/Rubik’s Cube.pptx
+++ b/Statusseminar/Rubik’s Cube.pptx
@@ -226,7 +226,7 @@
             <a:fld id="{AAB69B4B-A76A-47AE-BA50-6C08DAF8AB0A}" type="datetimeFigureOut">
               <a:rPr lang="da-DK" smtClean="0"/>
               <a:pPr/>
-              <a:t>08-04-2010</a:t>
+              <a:t>09-04-2010</a:t>
             </a:fld>
             <a:endParaRPr lang="da-DK"/>
           </a:p>
@@ -454,7 +454,7 @@
             <a:fld id="{AAB69B4B-A76A-47AE-BA50-6C08DAF8AB0A}" type="datetimeFigureOut">
               <a:rPr lang="da-DK" smtClean="0"/>
               <a:pPr/>
-              <a:t>08-04-2010</a:t>
+              <a:t>09-04-2010</a:t>
             </a:fld>
             <a:endParaRPr lang="da-DK"/>
           </a:p>
@@ -631,7 +631,7 @@
             <a:fld id="{AAB69B4B-A76A-47AE-BA50-6C08DAF8AB0A}" type="datetimeFigureOut">
               <a:rPr lang="da-DK" smtClean="0"/>
               <a:pPr/>
-              <a:t>08-04-2010</a:t>
+              <a:t>09-04-2010</a:t>
             </a:fld>
             <a:endParaRPr lang="da-DK"/>
           </a:p>
@@ -798,7 +798,7 @@
             <a:fld id="{AAB69B4B-A76A-47AE-BA50-6C08DAF8AB0A}" type="datetimeFigureOut">
               <a:rPr lang="da-DK" smtClean="0"/>
               <a:pPr/>
-              <a:t>08-04-2010</a:t>
+              <a:t>09-04-2010</a:t>
             </a:fld>
             <a:endParaRPr lang="da-DK"/>
           </a:p>
@@ -1044,7 +1044,7 @@
             <a:fld id="{AAB69B4B-A76A-47AE-BA50-6C08DAF8AB0A}" type="datetimeFigureOut">
               <a:rPr lang="da-DK" smtClean="0"/>
               <a:pPr/>
-              <a:t>08-04-2010</a:t>
+              <a:t>09-04-2010</a:t>
             </a:fld>
             <a:endParaRPr lang="da-DK"/>
           </a:p>
@@ -1310,7 +1310,7 @@
             <a:fld id="{AAB69B4B-A76A-47AE-BA50-6C08DAF8AB0A}" type="datetimeFigureOut">
               <a:rPr lang="da-DK" smtClean="0"/>
               <a:pPr/>
-              <a:t>08-04-2010</a:t>
+              <a:t>09-04-2010</a:t>
             </a:fld>
             <a:endParaRPr lang="da-DK"/>
           </a:p>
@@ -1686,7 +1686,7 @@
             <a:fld id="{AAB69B4B-A76A-47AE-BA50-6C08DAF8AB0A}" type="datetimeFigureOut">
               <a:rPr lang="da-DK" smtClean="0"/>
               <a:pPr/>
-              <a:t>08-04-2010</a:t>
+              <a:t>09-04-2010</a:t>
             </a:fld>
             <a:endParaRPr lang="da-DK"/>
           </a:p>
@@ -1801,7 +1801,7 @@
             <a:fld id="{AAB69B4B-A76A-47AE-BA50-6C08DAF8AB0A}" type="datetimeFigureOut">
               <a:rPr lang="da-DK" smtClean="0"/>
               <a:pPr/>
-              <a:t>08-04-2010</a:t>
+              <a:t>09-04-2010</a:t>
             </a:fld>
             <a:endParaRPr lang="da-DK"/>
           </a:p>
@@ -1893,7 +1893,7 @@
             <a:fld id="{AAB69B4B-A76A-47AE-BA50-6C08DAF8AB0A}" type="datetimeFigureOut">
               <a:rPr lang="da-DK" smtClean="0"/>
               <a:pPr/>
-              <a:t>08-04-2010</a:t>
+              <a:t>09-04-2010</a:t>
             </a:fld>
             <a:endParaRPr lang="da-DK"/>
           </a:p>
@@ -2153,7 +2153,7 @@
             <a:fld id="{AAB69B4B-A76A-47AE-BA50-6C08DAF8AB0A}" type="datetimeFigureOut">
               <a:rPr lang="da-DK" smtClean="0"/>
               <a:pPr/>
-              <a:t>08-04-2010</a:t>
+              <a:t>09-04-2010</a:t>
             </a:fld>
             <a:endParaRPr lang="da-DK"/>
           </a:p>
@@ -2419,7 +2419,7 @@
             <a:fld id="{AAB69B4B-A76A-47AE-BA50-6C08DAF8AB0A}" type="datetimeFigureOut">
               <a:rPr lang="da-DK" smtClean="0"/>
               <a:pPr/>
-              <a:t>08-04-2010</a:t>
+              <a:t>09-04-2010</a:t>
             </a:fld>
             <a:endParaRPr lang="da-DK"/>
           </a:p>
@@ -2638,7 +2638,7 @@
             <a:fld id="{AAB69B4B-A76A-47AE-BA50-6C08DAF8AB0A}" type="datetimeFigureOut">
               <a:rPr lang="da-DK" smtClean="0"/>
               <a:pPr/>
-              <a:t>08-04-2010</a:t>
+              <a:t>09-04-2010</a:t>
             </a:fld>
             <a:endParaRPr lang="da-DK"/>
           </a:p>
@@ -3207,11 +3207,7 @@
           <a:p>
             <a:r>
               <a:rPr lang="da-DK" dirty="0" smtClean="0"/>
-              <a:t>Et fællesskab der forsøger at optimere antallet af </a:t>
-            </a:r>
-            <a:r>
-              <a:rPr lang="da-DK" dirty="0" smtClean="0"/>
-              <a:t>træk</a:t>
+              <a:t>Et fællesskab der forsøger at optimere antallet af træk</a:t>
             </a:r>
             <a:endParaRPr lang="da-DK" dirty="0"/>
           </a:p>
@@ -3289,15 +3285,7 @@
           <a:p>
             <a:r>
               <a:rPr lang="da-DK" dirty="0" smtClean="0"/>
-              <a:t>Hvad er den nuværende øverste og nederste grænse for antal </a:t>
-            </a:r>
-            <a:r>
-              <a:rPr lang="da-DK" dirty="0" smtClean="0"/>
-              <a:t>træk, </a:t>
-            </a:r>
-            <a:r>
-              <a:rPr lang="da-DK" dirty="0" smtClean="0"/>
-              <a:t>og hvordan er de blevet bevist?</a:t>
+              <a:t>Hvad er den nuværende øverste og nederste grænse for antal træk, og hvordan er de blevet bevist?</a:t>
             </a:r>
           </a:p>
           <a:p>
@@ -3464,21 +3452,51 @@
             <a:pPr lvl="1"/>
             <a:r>
               <a:rPr lang="da-DK" sz="2000" dirty="0" smtClean="0"/>
-              <a:t>2. Det associative punkt</a:t>
-            </a:r>
+              <a:t>2. </a:t>
+            </a:r>
+            <a:r>
+              <a:rPr lang="da-DK" sz="2000" smtClean="0"/>
+              <a:t>til ethvert element findes et </a:t>
+            </a:r>
+            <a:r>
+              <a:rPr lang="da-DK" sz="2000" smtClean="0"/>
+              <a:t>neutralt </a:t>
+            </a:r>
+            <a:r>
+              <a:rPr lang="da-DK" sz="2000" smtClean="0"/>
+              <a:t>element</a:t>
+            </a:r>
+            <a:endParaRPr lang="da-DK" sz="2000" dirty="0" smtClean="0"/>
           </a:p>
           <a:p>
             <a:pPr lvl="1"/>
             <a:r>
               <a:rPr lang="da-DK" sz="2000" dirty="0" smtClean="0"/>
-              <a:t>3. til ethvert element findes et neutralt element</a:t>
-            </a:r>
+              <a:t>3. </a:t>
+            </a:r>
+            <a:r>
+              <a:rPr lang="da-DK" sz="2000" dirty="0" smtClean="0"/>
+              <a:t>til ethvert element i gruppen findes et invers </a:t>
+            </a:r>
+            <a:r>
+              <a:rPr lang="da-DK" sz="2000" dirty="0" smtClean="0"/>
+              <a:t>element</a:t>
+            </a:r>
+            <a:endParaRPr lang="da-DK" sz="2000" dirty="0" smtClean="0"/>
           </a:p>
           <a:p>
             <a:pPr lvl="1"/>
             <a:r>
               <a:rPr lang="da-DK" sz="2000" dirty="0" smtClean="0"/>
-              <a:t>4. til ethvert element i gruppen findes et invers element</a:t>
+              <a:t>4</a:t>
+            </a:r>
+            <a:r>
+              <a:rPr lang="da-DK" sz="2000" dirty="0" smtClean="0"/>
+              <a:t>. </a:t>
+            </a:r>
+            <a:r>
+              <a:rPr lang="da-DK" sz="2000" dirty="0" smtClean="0"/>
+              <a:t>Det associative punkt</a:t>
             </a:r>
           </a:p>
           <a:p>
@@ -3688,11 +3706,7 @@
           <a:p>
             <a:r>
               <a:rPr lang="da-DK" dirty="0" smtClean="0"/>
-              <a:t>Udfører træk der får </a:t>
-            </a:r>
-            <a:r>
-              <a:rPr lang="da-DK" dirty="0" smtClean="0"/>
-              <a:t>kuben ind i en undergruppe H,</a:t>
+              <a:t>Udfører træk der får kuben ind i en undergruppe H,</a:t>
             </a:r>
           </a:p>
           <a:p>
